--- a/data-and-ai-jhb/oct/resources/Thanks_the_Sponsor_slide.pptx
+++ b/data-and-ai-jhb/oct/resources/Thanks_the_Sponsor_slide.pptx
@@ -6,9 +6,10 @@
   </p:sldMasterIdLst>
   <p:sldIdLst>
     <p:sldId id="259" r:id="rId2"/>
-    <p:sldId id="260" r:id="rId3"/>
-    <p:sldId id="261" r:id="rId4"/>
-    <p:sldId id="262" r:id="rId5"/>
+    <p:sldId id="263" r:id="rId3"/>
+    <p:sldId id="260" r:id="rId4"/>
+    <p:sldId id="261" r:id="rId5"/>
+    <p:sldId id="262" r:id="rId6"/>
   </p:sldIdLst>
   <p:sldSz cx="12192000" cy="6858000"/>
   <p:notesSz cx="6858000" cy="9144000"/>
@@ -3993,6 +3994,632 @@
         <p:cNvPr id="1" name="">
           <a:extLst>
             <a:ext uri="{FF2B5EF4-FFF2-40B4-BE49-F238E27FC236}">
+              <a16:creationId xmlns:a16="http://schemas.microsoft.com/office/drawing/2014/main" id="{987A031C-ACA7-5ABF-7749-625B882B737E}"/>
+            </a:ext>
+          </a:extLst>
+        </p:cNvPr>
+        <p:cNvGrpSpPr/>
+        <p:nvPr/>
+      </p:nvGrpSpPr>
+      <p:grpSpPr>
+        <a:xfrm>
+          <a:off x="0" y="0"/>
+          <a:ext cx="0" cy="0"/>
+          <a:chOff x="0" y="0"/>
+          <a:chExt cx="0" cy="0"/>
+        </a:xfrm>
+      </p:grpSpPr>
+      <p:sp>
+        <p:nvSpPr>
+          <p:cNvPr id="19" name="Rectangle 18">
+            <a:extLst>
+              <a:ext uri="{FF2B5EF4-FFF2-40B4-BE49-F238E27FC236}">
+                <a16:creationId xmlns:a16="http://schemas.microsoft.com/office/drawing/2014/main" id="{D7619602-2548-71BD-0885-9031ED57F263}"/>
+              </a:ext>
+            </a:extLst>
+          </p:cNvPr>
+          <p:cNvSpPr/>
+          <p:nvPr/>
+        </p:nvSpPr>
+        <p:spPr>
+          <a:xfrm>
+            <a:off x="186813" y="146512"/>
+            <a:ext cx="2585884" cy="2160276"/>
+          </a:xfrm>
+          <a:prstGeom prst="rect">
+            <a:avLst/>
+          </a:prstGeom>
+          <a:solidFill>
+            <a:schemeClr val="bg1"/>
+          </a:solidFill>
+          <a:ln>
+            <a:solidFill>
+              <a:schemeClr val="bg1"/>
+            </a:solidFill>
+          </a:ln>
+        </p:spPr>
+        <p:style>
+          <a:lnRef idx="2">
+            <a:schemeClr val="accent1">
+              <a:shade val="15000"/>
+            </a:schemeClr>
+          </a:lnRef>
+          <a:fillRef idx="1">
+            <a:schemeClr val="accent1"/>
+          </a:fillRef>
+          <a:effectRef idx="0">
+            <a:schemeClr val="accent1"/>
+          </a:effectRef>
+          <a:fontRef idx="minor">
+            <a:schemeClr val="lt1"/>
+          </a:fontRef>
+        </p:style>
+        <p:txBody>
+          <a:bodyPr rtlCol="0" anchor="ctr"/>
+          <a:lstStyle/>
+          <a:p>
+            <a:pPr algn="ctr"/>
+            <a:endParaRPr lang="en-ZA"/>
+          </a:p>
+        </p:txBody>
+      </p:sp>
+      <p:sp>
+        <p:nvSpPr>
+          <p:cNvPr id="13" name="Rectangle 12">
+            <a:extLst>
+              <a:ext uri="{FF2B5EF4-FFF2-40B4-BE49-F238E27FC236}">
+                <a16:creationId xmlns:a16="http://schemas.microsoft.com/office/drawing/2014/main" id="{FDEAA0CD-6933-714A-FD69-D741B35CC463}"/>
+              </a:ext>
+            </a:extLst>
+          </p:cNvPr>
+          <p:cNvSpPr/>
+          <p:nvPr/>
+        </p:nvSpPr>
+        <p:spPr>
+          <a:xfrm>
+            <a:off x="7511029" y="146512"/>
+            <a:ext cx="4526769" cy="2160277"/>
+          </a:xfrm>
+          <a:prstGeom prst="rect">
+            <a:avLst/>
+          </a:prstGeom>
+          <a:solidFill>
+            <a:schemeClr val="bg1"/>
+          </a:solidFill>
+          <a:ln>
+            <a:solidFill>
+              <a:schemeClr val="bg1"/>
+            </a:solidFill>
+          </a:ln>
+        </p:spPr>
+        <p:style>
+          <a:lnRef idx="2">
+            <a:schemeClr val="accent1">
+              <a:shade val="15000"/>
+            </a:schemeClr>
+          </a:lnRef>
+          <a:fillRef idx="1">
+            <a:schemeClr val="accent1"/>
+          </a:fillRef>
+          <a:effectRef idx="0">
+            <a:schemeClr val="accent1"/>
+          </a:effectRef>
+          <a:fontRef idx="minor">
+            <a:schemeClr val="lt1"/>
+          </a:fontRef>
+        </p:style>
+        <p:txBody>
+          <a:bodyPr rtlCol="0" anchor="ctr"/>
+          <a:lstStyle/>
+          <a:p>
+            <a:pPr algn="ctr"/>
+            <a:endParaRPr lang="en-ZA"/>
+          </a:p>
+        </p:txBody>
+      </p:sp>
+      <p:sp>
+        <p:nvSpPr>
+          <p:cNvPr id="12" name="Rectangle 11">
+            <a:extLst>
+              <a:ext uri="{FF2B5EF4-FFF2-40B4-BE49-F238E27FC236}">
+                <a16:creationId xmlns:a16="http://schemas.microsoft.com/office/drawing/2014/main" id="{AA44763F-6097-9366-4D8C-8823CDD7FC08}"/>
+              </a:ext>
+            </a:extLst>
+          </p:cNvPr>
+          <p:cNvSpPr/>
+          <p:nvPr/>
+        </p:nvSpPr>
+        <p:spPr>
+          <a:xfrm>
+            <a:off x="2878478" y="146510"/>
+            <a:ext cx="4526769" cy="2160277"/>
+          </a:xfrm>
+          <a:prstGeom prst="rect">
+            <a:avLst/>
+          </a:prstGeom>
+          <a:solidFill>
+            <a:schemeClr val="bg1"/>
+          </a:solidFill>
+          <a:ln>
+            <a:solidFill>
+              <a:schemeClr val="bg1"/>
+            </a:solidFill>
+          </a:ln>
+        </p:spPr>
+        <p:style>
+          <a:lnRef idx="2">
+            <a:schemeClr val="accent1">
+              <a:shade val="15000"/>
+            </a:schemeClr>
+          </a:lnRef>
+          <a:fillRef idx="1">
+            <a:schemeClr val="accent1"/>
+          </a:fillRef>
+          <a:effectRef idx="0">
+            <a:schemeClr val="accent1"/>
+          </a:effectRef>
+          <a:fontRef idx="minor">
+            <a:schemeClr val="lt1"/>
+          </a:fontRef>
+        </p:style>
+        <p:txBody>
+          <a:bodyPr rtlCol="0" anchor="ctr"/>
+          <a:lstStyle/>
+          <a:p>
+            <a:pPr algn="ctr"/>
+            <a:endParaRPr lang="en-ZA"/>
+          </a:p>
+        </p:txBody>
+      </p:sp>
+      <p:pic>
+        <p:nvPicPr>
+          <p:cNvPr id="5" name="Picture 4">
+            <a:extLst>
+              <a:ext uri="{FF2B5EF4-FFF2-40B4-BE49-F238E27FC236}">
+                <a16:creationId xmlns:a16="http://schemas.microsoft.com/office/drawing/2014/main" id="{AE6AE7CF-063E-03E6-8B0A-6E66338A3C27}"/>
+              </a:ext>
+            </a:extLst>
+          </p:cNvPr>
+          <p:cNvPicPr>
+            <a:picLocks noChangeAspect="1"/>
+          </p:cNvPicPr>
+          <p:nvPr/>
+        </p:nvPicPr>
+        <p:blipFill>
+          <a:blip r:embed="rId2">
+            <a:extLst>
+              <a:ext uri="{28A0092B-C50C-407E-A947-70E740481C1C}">
+                <a14:useLocalDpi xmlns:a14="http://schemas.microsoft.com/office/drawing/2010/main" val="0"/>
+              </a:ext>
+            </a:extLst>
+          </a:blip>
+          <a:stretch>
+            <a:fillRect/>
+          </a:stretch>
+        </p:blipFill>
+        <p:spPr>
+          <a:xfrm>
+            <a:off x="3548872" y="588634"/>
+            <a:ext cx="3251032" cy="1276030"/>
+          </a:xfrm>
+          <a:prstGeom prst="rect">
+            <a:avLst/>
+          </a:prstGeom>
+        </p:spPr>
+      </p:pic>
+      <p:pic>
+        <p:nvPicPr>
+          <p:cNvPr id="7" name="Picture 6">
+            <a:extLst>
+              <a:ext uri="{FF2B5EF4-FFF2-40B4-BE49-F238E27FC236}">
+                <a16:creationId xmlns:a16="http://schemas.microsoft.com/office/drawing/2014/main" id="{A20397FE-4F24-F8CF-2EA1-6B8721FDC6B6}"/>
+              </a:ext>
+            </a:extLst>
+          </p:cNvPr>
+          <p:cNvPicPr>
+            <a:picLocks noChangeAspect="1"/>
+          </p:cNvPicPr>
+          <p:nvPr/>
+        </p:nvPicPr>
+        <p:blipFill>
+          <a:blip r:embed="rId3">
+            <a:extLst>
+              <a:ext uri="{28A0092B-C50C-407E-A947-70E740481C1C}">
+                <a14:useLocalDpi xmlns:a14="http://schemas.microsoft.com/office/drawing/2010/main" val="0"/>
+              </a:ext>
+            </a:extLst>
+          </a:blip>
+          <a:stretch>
+            <a:fillRect/>
+          </a:stretch>
+        </p:blipFill>
+        <p:spPr>
+          <a:xfrm>
+            <a:off x="8160268" y="459931"/>
+            <a:ext cx="3228290" cy="1533437"/>
+          </a:xfrm>
+          <a:prstGeom prst="rect">
+            <a:avLst/>
+          </a:prstGeom>
+        </p:spPr>
+      </p:pic>
+      <p:sp>
+        <p:nvSpPr>
+          <p:cNvPr id="10" name="Rectangle 9">
+            <a:extLst>
+              <a:ext uri="{FF2B5EF4-FFF2-40B4-BE49-F238E27FC236}">
+                <a16:creationId xmlns:a16="http://schemas.microsoft.com/office/drawing/2014/main" id="{B7A4DA91-A59F-DA2D-77C7-206530EED799}"/>
+              </a:ext>
+            </a:extLst>
+          </p:cNvPr>
+          <p:cNvSpPr/>
+          <p:nvPr/>
+        </p:nvSpPr>
+        <p:spPr>
+          <a:xfrm>
+            <a:off x="186813" y="4650788"/>
+            <a:ext cx="2585884" cy="2144850"/>
+          </a:xfrm>
+          <a:prstGeom prst="rect">
+            <a:avLst/>
+          </a:prstGeom>
+          <a:solidFill>
+            <a:schemeClr val="bg1"/>
+          </a:solidFill>
+          <a:ln>
+            <a:solidFill>
+              <a:schemeClr val="bg1"/>
+            </a:solidFill>
+          </a:ln>
+        </p:spPr>
+        <p:style>
+          <a:lnRef idx="2">
+            <a:schemeClr val="accent1">
+              <a:shade val="15000"/>
+            </a:schemeClr>
+          </a:lnRef>
+          <a:fillRef idx="1">
+            <a:schemeClr val="accent1"/>
+          </a:fillRef>
+          <a:effectRef idx="0">
+            <a:schemeClr val="accent1"/>
+          </a:effectRef>
+          <a:fontRef idx="minor">
+            <a:schemeClr val="lt1"/>
+          </a:fontRef>
+        </p:style>
+        <p:txBody>
+          <a:bodyPr rtlCol="0" anchor="ctr"/>
+          <a:lstStyle/>
+          <a:p>
+            <a:pPr algn="ctr"/>
+            <a:endParaRPr lang="en-ZA"/>
+          </a:p>
+        </p:txBody>
+      </p:sp>
+      <p:sp>
+        <p:nvSpPr>
+          <p:cNvPr id="11" name="Rectangle 10">
+            <a:extLst>
+              <a:ext uri="{FF2B5EF4-FFF2-40B4-BE49-F238E27FC236}">
+                <a16:creationId xmlns:a16="http://schemas.microsoft.com/office/drawing/2014/main" id="{27A8A50C-4E4F-2554-A763-58E427C1BFA8}"/>
+              </a:ext>
+            </a:extLst>
+          </p:cNvPr>
+          <p:cNvSpPr/>
+          <p:nvPr/>
+        </p:nvSpPr>
+        <p:spPr>
+          <a:xfrm>
+            <a:off x="186813" y="2406363"/>
+            <a:ext cx="2585884" cy="2144850"/>
+          </a:xfrm>
+          <a:prstGeom prst="rect">
+            <a:avLst/>
+          </a:prstGeom>
+          <a:solidFill>
+            <a:schemeClr val="bg1"/>
+          </a:solidFill>
+          <a:ln>
+            <a:solidFill>
+              <a:schemeClr val="bg1"/>
+            </a:solidFill>
+          </a:ln>
+        </p:spPr>
+        <p:style>
+          <a:lnRef idx="2">
+            <a:schemeClr val="accent1">
+              <a:shade val="15000"/>
+            </a:schemeClr>
+          </a:lnRef>
+          <a:fillRef idx="1">
+            <a:schemeClr val="accent1"/>
+          </a:fillRef>
+          <a:effectRef idx="0">
+            <a:schemeClr val="accent1"/>
+          </a:effectRef>
+          <a:fontRef idx="minor">
+            <a:schemeClr val="lt1"/>
+          </a:fontRef>
+        </p:style>
+        <p:txBody>
+          <a:bodyPr rtlCol="0" anchor="ctr"/>
+          <a:lstStyle/>
+          <a:p>
+            <a:pPr algn="ctr"/>
+            <a:endParaRPr lang="en-ZA"/>
+          </a:p>
+        </p:txBody>
+      </p:sp>
+      <p:pic>
+        <p:nvPicPr>
+          <p:cNvPr id="6" name="Content Placeholder 4">
+            <a:extLst>
+              <a:ext uri="{FF2B5EF4-FFF2-40B4-BE49-F238E27FC236}">
+                <a16:creationId xmlns:a16="http://schemas.microsoft.com/office/drawing/2014/main" id="{0825BE2D-2924-8A4A-333B-E41603171A3C}"/>
+              </a:ext>
+            </a:extLst>
+          </p:cNvPr>
+          <p:cNvPicPr>
+            <a:picLocks noGrp="1" noChangeAspect="1"/>
+          </p:cNvPicPr>
+          <p:nvPr>
+            <p:ph idx="1"/>
+          </p:nvPr>
+        </p:nvPicPr>
+        <p:blipFill>
+          <a:blip r:embed="rId4">
+            <a:extLst>
+              <a:ext uri="{28A0092B-C50C-407E-A947-70E740481C1C}">
+                <a14:useLocalDpi xmlns:a14="http://schemas.microsoft.com/office/drawing/2010/main" val="0"/>
+              </a:ext>
+            </a:extLst>
+          </a:blip>
+          <a:stretch>
+            <a:fillRect/>
+          </a:stretch>
+        </p:blipFill>
+        <p:spPr>
+          <a:xfrm>
+            <a:off x="267929" y="5683958"/>
+            <a:ext cx="2286000" cy="691515"/>
+          </a:xfrm>
+          <a:prstGeom prst="rect">
+            <a:avLst/>
+          </a:prstGeom>
+        </p:spPr>
+      </p:pic>
+      <p:pic>
+        <p:nvPicPr>
+          <p:cNvPr id="8" name="Picture 7">
+            <a:extLst>
+              <a:ext uri="{FF2B5EF4-FFF2-40B4-BE49-F238E27FC236}">
+                <a16:creationId xmlns:a16="http://schemas.microsoft.com/office/drawing/2014/main" id="{C4B51D80-2CE0-2033-1AAE-0EA247F16242}"/>
+              </a:ext>
+            </a:extLst>
+          </p:cNvPr>
+          <p:cNvPicPr>
+            <a:picLocks noChangeAspect="1"/>
+          </p:cNvPicPr>
+          <p:nvPr/>
+        </p:nvPicPr>
+        <p:blipFill>
+          <a:blip r:embed="rId5">
+            <a:extLst>
+              <a:ext uri="{28A0092B-C50C-407E-A947-70E740481C1C}">
+                <a14:useLocalDpi xmlns:a14="http://schemas.microsoft.com/office/drawing/2010/main" val="0"/>
+              </a:ext>
+            </a:extLst>
+          </a:blip>
+          <a:stretch>
+            <a:fillRect/>
+          </a:stretch>
+        </p:blipFill>
+        <p:spPr>
+          <a:xfrm>
+            <a:off x="304145" y="2954655"/>
+            <a:ext cx="2286000" cy="948689"/>
+          </a:xfrm>
+          <a:prstGeom prst="rect">
+            <a:avLst/>
+          </a:prstGeom>
+        </p:spPr>
+      </p:pic>
+      <p:sp>
+        <p:nvSpPr>
+          <p:cNvPr id="14" name="Title 1">
+            <a:extLst>
+              <a:ext uri="{FF2B5EF4-FFF2-40B4-BE49-F238E27FC236}">
+                <a16:creationId xmlns:a16="http://schemas.microsoft.com/office/drawing/2014/main" id="{5B9AA362-12C6-4EB4-9DE6-7826CD5D0EC3}"/>
+              </a:ext>
+            </a:extLst>
+          </p:cNvPr>
+          <p:cNvSpPr>
+            <a:spLocks noGrp="1"/>
+          </p:cNvSpPr>
+          <p:nvPr>
+            <p:ph type="title"/>
+          </p:nvPr>
+        </p:nvSpPr>
+        <p:spPr>
+          <a:xfrm>
+            <a:off x="2911004" y="2435795"/>
+            <a:ext cx="8962103" cy="3063750"/>
+          </a:xfrm>
+        </p:spPr>
+        <p:txBody>
+          <a:bodyPr vert="horz" lIns="91440" tIns="45720" rIns="91440" bIns="45720" rtlCol="0" anchor="b">
+            <a:normAutofit fontScale="90000"/>
+          </a:bodyPr>
+          <a:lstStyle/>
+          <a:p>
+            <a:r>
+              <a:rPr lang="en-US" sz="7200" kern="1200" dirty="0">
+                <a:solidFill>
+                  <a:srgbClr val="FFFFFF"/>
+                </a:solidFill>
+                <a:latin typeface="Berlin Sans FB Demi" panose="020E0802020502020306" pitchFamily="34" charset="0"/>
+              </a:rPr>
+              <a:t>Thanks to the Sponsors</a:t>
+            </a:r>
+            <a:br>
+              <a:rPr lang="en-US" sz="7200" kern="1200" dirty="0">
+                <a:solidFill>
+                  <a:srgbClr val="FFFFFF"/>
+                </a:solidFill>
+                <a:latin typeface="Berlin Sans FB Demi" panose="020E0802020502020306" pitchFamily="34" charset="0"/>
+              </a:rPr>
+            </a:br>
+            <a:r>
+              <a:rPr lang="en-US" sz="4800" kern="1200" dirty="0">
+                <a:solidFill>
+                  <a:srgbClr val="FFFFFF"/>
+                </a:solidFill>
+                <a:latin typeface="Berlin Sans FB" panose="020E0602020502020306" pitchFamily="34" charset="0"/>
+              </a:rPr>
+              <a:t>Days like today are only possible because of them.</a:t>
+            </a:r>
+            <a:endParaRPr lang="en-US" sz="7200" kern="1200" dirty="0">
+              <a:solidFill>
+                <a:srgbClr val="FFFFFF"/>
+              </a:solidFill>
+              <a:latin typeface="Berlin Sans FB" panose="020E0602020502020306" pitchFamily="34" charset="0"/>
+            </a:endParaRPr>
+          </a:p>
+        </p:txBody>
+      </p:sp>
+      <p:cxnSp>
+        <p:nvCxnSpPr>
+          <p:cNvPr id="16" name="Straight Connector 15">
+            <a:extLst>
+              <a:ext uri="{FF2B5EF4-FFF2-40B4-BE49-F238E27FC236}">
+                <a16:creationId xmlns:a16="http://schemas.microsoft.com/office/drawing/2014/main" id="{08618B97-DF2A-E8CE-D7CE-5CA2A12D01F6}"/>
+              </a:ext>
+            </a:extLst>
+          </p:cNvPr>
+          <p:cNvCxnSpPr/>
+          <p:nvPr/>
+        </p:nvCxnSpPr>
+        <p:spPr>
+          <a:xfrm>
+            <a:off x="4021394" y="5683958"/>
+            <a:ext cx="5899355" cy="0"/>
+          </a:xfrm>
+          <a:prstGeom prst="line">
+            <a:avLst/>
+          </a:prstGeom>
+          <a:ln w="57150">
+            <a:solidFill>
+              <a:schemeClr val="bg2">
+                <a:lumMod val="75000"/>
+              </a:schemeClr>
+            </a:solidFill>
+          </a:ln>
+        </p:spPr>
+        <p:style>
+          <a:lnRef idx="2">
+            <a:schemeClr val="accent1"/>
+          </a:lnRef>
+          <a:fillRef idx="0">
+            <a:schemeClr val="accent1"/>
+          </a:fillRef>
+          <a:effectRef idx="1">
+            <a:schemeClr val="accent1"/>
+          </a:effectRef>
+          <a:fontRef idx="minor">
+            <a:schemeClr val="tx1"/>
+          </a:fontRef>
+        </p:style>
+      </p:cxnSp>
+      <p:pic>
+        <p:nvPicPr>
+          <p:cNvPr id="15" name="Picture 14" descr="A circular logo with icons on it&#10;&#10;AI-generated content may be incorrect.">
+            <a:extLst>
+              <a:ext uri="{FF2B5EF4-FFF2-40B4-BE49-F238E27FC236}">
+                <a16:creationId xmlns:a16="http://schemas.microsoft.com/office/drawing/2014/main" id="{20F1C8A8-532F-37F7-32D0-947F0F2FF9C9}"/>
+              </a:ext>
+            </a:extLst>
+          </p:cNvPr>
+          <p:cNvPicPr>
+            <a:picLocks noChangeAspect="1"/>
+          </p:cNvPicPr>
+          <p:nvPr/>
+        </p:nvPicPr>
+        <p:blipFill>
+          <a:blip r:embed="rId6">
+            <a:extLst>
+              <a:ext uri="{28A0092B-C50C-407E-A947-70E740481C1C}">
+                <a14:useLocalDpi xmlns:a14="http://schemas.microsoft.com/office/drawing/2010/main" val="0"/>
+              </a:ext>
+            </a:extLst>
+          </a:blip>
+          <a:stretch>
+            <a:fillRect/>
+          </a:stretch>
+        </p:blipFill>
+        <p:spPr>
+          <a:xfrm>
+            <a:off x="410280" y="225999"/>
+            <a:ext cx="2001297" cy="2001297"/>
+          </a:xfrm>
+          <a:prstGeom prst="rect">
+            <a:avLst/>
+          </a:prstGeom>
+        </p:spPr>
+      </p:pic>
+    </p:spTree>
+    <p:extLst>
+      <p:ext uri="{BB962C8B-B14F-4D97-AF65-F5344CB8AC3E}">
+        <p14:creationId xmlns:p14="http://schemas.microsoft.com/office/powerpoint/2010/main" val="1023231211"/>
+      </p:ext>
+    </p:extLst>
+  </p:cSld>
+  <p:clrMapOvr>
+    <a:masterClrMapping/>
+  </p:clrMapOvr>
+</p:sld>
+</file>
+
+<file path=ppt/slides/slide3.xml><?xml version="1.0" encoding="utf-8"?>
+<p:sld xmlns:a="http://schemas.openxmlformats.org/drawingml/2006/main" xmlns:r="http://schemas.openxmlformats.org/officeDocument/2006/relationships" xmlns:p="http://schemas.openxmlformats.org/presentationml/2006/main">
+  <p:cSld>
+    <p:bg>
+      <p:bgPr>
+        <a:gradFill flip="none" rotWithShape="1">
+          <a:gsLst>
+            <a:gs pos="0">
+              <a:schemeClr val="tx2"/>
+            </a:gs>
+            <a:gs pos="36000">
+              <a:schemeClr val="tx2">
+                <a:lumMod val="75000"/>
+                <a:lumOff val="25000"/>
+              </a:schemeClr>
+            </a:gs>
+            <a:gs pos="55000">
+              <a:schemeClr val="tx2">
+                <a:lumMod val="75000"/>
+                <a:lumOff val="25000"/>
+              </a:schemeClr>
+            </a:gs>
+            <a:gs pos="78000">
+              <a:schemeClr val="tx2">
+                <a:lumMod val="90000"/>
+                <a:lumOff val="10000"/>
+              </a:schemeClr>
+            </a:gs>
+          </a:gsLst>
+          <a:lin ang="2700000" scaled="1"/>
+          <a:tileRect/>
+        </a:gradFill>
+        <a:effectLst/>
+      </p:bgPr>
+    </p:bg>
+    <p:spTree>
+      <p:nvGrpSpPr>
+        <p:cNvPr id="1" name="">
+          <a:extLst>
+            <a:ext uri="{FF2B5EF4-FFF2-40B4-BE49-F238E27FC236}">
               <a16:creationId xmlns:a16="http://schemas.microsoft.com/office/drawing/2014/main" id="{4C83DBD7-B196-F7BD-7CA6-8A75B186D4DC}"/>
             </a:ext>
           </a:extLst>
@@ -4408,7 +5035,7 @@
 </p:sld>
 </file>
 
-<file path=ppt/slides/slide3.xml><?xml version="1.0" encoding="utf-8"?>
+<file path=ppt/slides/slide4.xml><?xml version="1.0" encoding="utf-8"?>
 <p:sld xmlns:a="http://schemas.openxmlformats.org/drawingml/2006/main" xmlns:r="http://schemas.openxmlformats.org/officeDocument/2006/relationships" xmlns:p="http://schemas.openxmlformats.org/presentationml/2006/main">
   <p:cSld>
     <p:spTree>
@@ -5048,7 +5675,7 @@
 </p:sld>
 </file>
 
-<file path=ppt/slides/slide4.xml><?xml version="1.0" encoding="utf-8"?>
+<file path=ppt/slides/slide5.xml><?xml version="1.0" encoding="utf-8"?>
 <p:sld xmlns:a="http://schemas.openxmlformats.org/drawingml/2006/main" xmlns:r="http://schemas.openxmlformats.org/officeDocument/2006/relationships" xmlns:p="http://schemas.openxmlformats.org/presentationml/2006/main">
   <p:cSld>
     <p:spTree>
